--- a/Belbin roles etc.pptx
+++ b/Belbin roles etc.pptx
@@ -7,9 +7,10 @@
   <p:sldIdLst>
     <p:sldId id="256" r:id="rId2"/>
     <p:sldId id="257" r:id="rId3"/>
-    <p:sldId id="258" r:id="rId4"/>
-    <p:sldId id="259" r:id="rId5"/>
-    <p:sldId id="260" r:id="rId6"/>
+    <p:sldId id="260" r:id="rId4"/>
+    <p:sldId id="261" r:id="rId5"/>
+    <p:sldId id="259" r:id="rId6"/>
+    <p:sldId id="258" r:id="rId7"/>
   </p:sldIdLst>
   <p:sldSz cx="12192000" cy="6858000"/>
   <p:notesSz cx="6858000" cy="9144000"/>
@@ -108,6 +109,11 @@
       </a:defRPr>
     </a:lvl9pPr>
   </p:defaultTextStyle>
+  <p:extLst>
+    <p:ext uri="{EFAFB233-063F-42B5-8137-9DF3F51BA10A}">
+      <p15:sldGuideLst xmlns:p15="http://schemas.microsoft.com/office/powerpoint/2012/main"/>
+    </p:ext>
+  </p:extLst>
 </p:presentation>
 </file>
 
@@ -264,7 +270,7 @@
           <a:p>
             <a:fld id="{8A35888A-7CFB-45A3-A979-6F26B453CCA3}" type="datetimeFigureOut">
               <a:rPr lang="en-GB" smtClean="0"/>
-              <a:t>19/01/2018</a:t>
+              <a:t>20/01/2018</a:t>
             </a:fld>
             <a:endParaRPr lang="en-GB"/>
           </a:p>
@@ -464,7 +470,7 @@
           <a:p>
             <a:fld id="{8A35888A-7CFB-45A3-A979-6F26B453CCA3}" type="datetimeFigureOut">
               <a:rPr lang="en-GB" smtClean="0"/>
-              <a:t>19/01/2018</a:t>
+              <a:t>20/01/2018</a:t>
             </a:fld>
             <a:endParaRPr lang="en-GB"/>
           </a:p>
@@ -674,7 +680,7 @@
           <a:p>
             <a:fld id="{8A35888A-7CFB-45A3-A979-6F26B453CCA3}" type="datetimeFigureOut">
               <a:rPr lang="en-GB" smtClean="0"/>
-              <a:t>19/01/2018</a:t>
+              <a:t>20/01/2018</a:t>
             </a:fld>
             <a:endParaRPr lang="en-GB"/>
           </a:p>
@@ -874,7 +880,7 @@
           <a:p>
             <a:fld id="{8A35888A-7CFB-45A3-A979-6F26B453CCA3}" type="datetimeFigureOut">
               <a:rPr lang="en-GB" smtClean="0"/>
-              <a:t>19/01/2018</a:t>
+              <a:t>20/01/2018</a:t>
             </a:fld>
             <a:endParaRPr lang="en-GB"/>
           </a:p>
@@ -1150,7 +1156,7 @@
           <a:p>
             <a:fld id="{8A35888A-7CFB-45A3-A979-6F26B453CCA3}" type="datetimeFigureOut">
               <a:rPr lang="en-GB" smtClean="0"/>
-              <a:t>19/01/2018</a:t>
+              <a:t>20/01/2018</a:t>
             </a:fld>
             <a:endParaRPr lang="en-GB"/>
           </a:p>
@@ -1418,7 +1424,7 @@
           <a:p>
             <a:fld id="{8A35888A-7CFB-45A3-A979-6F26B453CCA3}" type="datetimeFigureOut">
               <a:rPr lang="en-GB" smtClean="0"/>
-              <a:t>19/01/2018</a:t>
+              <a:t>20/01/2018</a:t>
             </a:fld>
             <a:endParaRPr lang="en-GB"/>
           </a:p>
@@ -1833,7 +1839,7 @@
           <a:p>
             <a:fld id="{8A35888A-7CFB-45A3-A979-6F26B453CCA3}" type="datetimeFigureOut">
               <a:rPr lang="en-GB" smtClean="0"/>
-              <a:t>19/01/2018</a:t>
+              <a:t>20/01/2018</a:t>
             </a:fld>
             <a:endParaRPr lang="en-GB"/>
           </a:p>
@@ -1975,7 +1981,7 @@
           <a:p>
             <a:fld id="{8A35888A-7CFB-45A3-A979-6F26B453CCA3}" type="datetimeFigureOut">
               <a:rPr lang="en-GB" smtClean="0"/>
-              <a:t>19/01/2018</a:t>
+              <a:t>20/01/2018</a:t>
             </a:fld>
             <a:endParaRPr lang="en-GB"/>
           </a:p>
@@ -2088,7 +2094,7 @@
           <a:p>
             <a:fld id="{8A35888A-7CFB-45A3-A979-6F26B453CCA3}" type="datetimeFigureOut">
               <a:rPr lang="en-GB" smtClean="0"/>
-              <a:t>19/01/2018</a:t>
+              <a:t>20/01/2018</a:t>
             </a:fld>
             <a:endParaRPr lang="en-GB"/>
           </a:p>
@@ -2401,7 +2407,7 @@
           <a:p>
             <a:fld id="{8A35888A-7CFB-45A3-A979-6F26B453CCA3}" type="datetimeFigureOut">
               <a:rPr lang="en-GB" smtClean="0"/>
-              <a:t>19/01/2018</a:t>
+              <a:t>20/01/2018</a:t>
             </a:fld>
             <a:endParaRPr lang="en-GB"/>
           </a:p>
@@ -2690,7 +2696,7 @@
           <a:p>
             <a:fld id="{8A35888A-7CFB-45A3-A979-6F26B453CCA3}" type="datetimeFigureOut">
               <a:rPr lang="en-GB" smtClean="0"/>
-              <a:t>19/01/2018</a:t>
+              <a:t>20/01/2018</a:t>
             </a:fld>
             <a:endParaRPr lang="en-GB"/>
           </a:p>
@@ -2933,7 +2939,7 @@
           <a:p>
             <a:fld id="{8A35888A-7CFB-45A3-A979-6F26B453CCA3}" type="datetimeFigureOut">
               <a:rPr lang="en-GB" smtClean="0"/>
-              <a:t>19/01/2018</a:t>
+              <a:t>20/01/2018</a:t>
             </a:fld>
             <a:endParaRPr lang="en-GB"/>
           </a:p>
@@ -3498,7 +3504,7 @@
           <p:cNvPr id="4" name="Obraz 3">
             <a:extLst>
               <a:ext uri="{FF2B5EF4-FFF2-40B4-BE49-F238E27FC236}">
-                <a16:creationId xmlns:a16="http://schemas.microsoft.com/office/drawing/2014/main" id="{D288EC81-EBFB-4501-BBF5-897F49499E41}"/>
+                <a16:creationId xmlns:a16="http://schemas.microsoft.com/office/drawing/2014/main" id="{2B3FF71C-4F84-4E2D-BD29-9C6B8471677A}"/>
               </a:ext>
             </a:extLst>
           </p:cNvPr>
@@ -3515,8 +3521,8 @@
         </p:blipFill>
         <p:spPr>
           <a:xfrm>
-            <a:off x="1518726" y="0"/>
-            <a:ext cx="9023684" cy="6858000"/>
+            <a:off x="0" y="1412143"/>
+            <a:ext cx="12187843" cy="3417310"/>
           </a:xfrm>
           <a:prstGeom prst="rect">
             <a:avLst/>
@@ -3526,7 +3532,7 @@
     </p:spTree>
     <p:extLst>
       <p:ext uri="{BB962C8B-B14F-4D97-AF65-F5344CB8AC3E}">
-        <p14:creationId xmlns:p14="http://schemas.microsoft.com/office/powerpoint/2010/main" val="2011243449"/>
+        <p14:creationId xmlns:p14="http://schemas.microsoft.com/office/powerpoint/2010/main" val="3126896193"/>
       </p:ext>
     </p:extLst>
   </p:cSld>
@@ -3537,6 +3543,157 @@
 </file>
 
 <file path=ppt/slides/slide4.xml><?xml version="1.0" encoding="utf-8"?>
+<p:sld xmlns:a="http://schemas.openxmlformats.org/drawingml/2006/main" xmlns:r="http://schemas.openxmlformats.org/officeDocument/2006/relationships" xmlns:p="http://schemas.openxmlformats.org/presentationml/2006/main">
+  <p:cSld>
+    <p:spTree>
+      <p:nvGrpSpPr>
+        <p:cNvPr id="1" name=""/>
+        <p:cNvGrpSpPr/>
+        <p:nvPr/>
+      </p:nvGrpSpPr>
+      <p:grpSpPr>
+        <a:xfrm>
+          <a:off x="0" y="0"/>
+          <a:ext cx="0" cy="0"/>
+          <a:chOff x="0" y="0"/>
+          <a:chExt cx="0" cy="0"/>
+        </a:xfrm>
+      </p:grpSpPr>
+      <p:sp>
+        <p:nvSpPr>
+          <p:cNvPr id="4" name="Prostokąt 3">
+            <a:extLst>
+              <a:ext uri="{FF2B5EF4-FFF2-40B4-BE49-F238E27FC236}">
+                <a16:creationId xmlns:a16="http://schemas.microsoft.com/office/drawing/2014/main" id="{4163EE23-DB90-401B-BD18-EA6139F6CD30}"/>
+              </a:ext>
+            </a:extLst>
+          </p:cNvPr>
+          <p:cNvSpPr/>
+          <p:nvPr/>
+        </p:nvSpPr>
+        <p:spPr>
+          <a:xfrm>
+            <a:off x="665825" y="532660"/>
+            <a:ext cx="10333607" cy="6294672"/>
+          </a:xfrm>
+          <a:prstGeom prst="rect">
+            <a:avLst/>
+          </a:prstGeom>
+        </p:spPr>
+        <p:txBody>
+          <a:bodyPr wrap="square">
+            <a:spAutoFit/>
+          </a:bodyPr>
+          <a:lstStyle/>
+          <a:p>
+            <a:pPr marL="342900" lvl="0" indent="-342900" algn="just">
+              <a:lnSpc>
+                <a:spcPct val="107000"/>
+              </a:lnSpc>
+              <a:spcAft>
+                <a:spcPts val="800"/>
+              </a:spcAft>
+              <a:buFont typeface="+mj-lt"/>
+              <a:buAutoNum type="arabicParenR"/>
+            </a:pPr>
+            <a:r>
+              <a:rPr lang="en-GB" sz="4000" dirty="0">
+                <a:latin typeface="Calibri" panose="020F0502020204030204" pitchFamily="34" charset="0"/>
+                <a:ea typeface="Calibri" panose="020F0502020204030204" pitchFamily="34" charset="0"/>
+              </a:rPr>
+              <a:t> Gather ideas and formulate the main goals and overall structure together,</a:t>
+            </a:r>
+            <a:endParaRPr lang="en-GB" sz="4000" dirty="0">
+              <a:latin typeface="Arial" panose="020B0604020202020204" pitchFamily="34" charset="0"/>
+              <a:ea typeface="Calibri" panose="020F0502020204030204" pitchFamily="34" charset="0"/>
+            </a:endParaRPr>
+          </a:p>
+          <a:p>
+            <a:pPr marL="342900" lvl="0" indent="-342900" algn="just">
+              <a:lnSpc>
+                <a:spcPct val="107000"/>
+              </a:lnSpc>
+              <a:spcAft>
+                <a:spcPts val="800"/>
+              </a:spcAft>
+              <a:buFont typeface="+mj-lt"/>
+              <a:buAutoNum type="arabicParenR"/>
+            </a:pPr>
+            <a:r>
+              <a:rPr lang="en-GB" sz="4000" dirty="0">
+                <a:latin typeface="Calibri" panose="020F0502020204030204" pitchFamily="34" charset="0"/>
+                <a:ea typeface="Calibri" panose="020F0502020204030204" pitchFamily="34" charset="0"/>
+              </a:rPr>
+              <a:t> Divide the work for groups consisting of 1-3 persons,</a:t>
+            </a:r>
+            <a:endParaRPr lang="en-GB" sz="4000" dirty="0">
+              <a:latin typeface="Arial" panose="020B0604020202020204" pitchFamily="34" charset="0"/>
+              <a:ea typeface="Calibri" panose="020F0502020204030204" pitchFamily="34" charset="0"/>
+            </a:endParaRPr>
+          </a:p>
+          <a:p>
+            <a:pPr marL="342900" lvl="0" indent="-342900" algn="just">
+              <a:lnSpc>
+                <a:spcPct val="107000"/>
+              </a:lnSpc>
+              <a:spcAft>
+                <a:spcPts val="800"/>
+              </a:spcAft>
+              <a:buFont typeface="+mj-lt"/>
+              <a:buAutoNum type="arabicParenR"/>
+            </a:pPr>
+            <a:r>
+              <a:rPr lang="en-GB" sz="4000" dirty="0">
+                <a:latin typeface="Calibri" panose="020F0502020204030204" pitchFamily="34" charset="0"/>
+                <a:ea typeface="Calibri" panose="020F0502020204030204" pitchFamily="34" charset="0"/>
+              </a:rPr>
+              <a:t> Having everything checked by everyone, i.e. leaving feedback and discussing about individual parts.</a:t>
+            </a:r>
+            <a:endParaRPr lang="en-GB" sz="4000" dirty="0">
+              <a:latin typeface="Arial" panose="020B0604020202020204" pitchFamily="34" charset="0"/>
+              <a:ea typeface="Calibri" panose="020F0502020204030204" pitchFamily="34" charset="0"/>
+            </a:endParaRPr>
+          </a:p>
+          <a:p>
+            <a:pPr marL="342900" lvl="0" indent="-342900" algn="just">
+              <a:lnSpc>
+                <a:spcPct val="107000"/>
+              </a:lnSpc>
+              <a:spcAft>
+                <a:spcPts val="800"/>
+              </a:spcAft>
+              <a:buFont typeface="+mj-lt"/>
+              <a:buAutoNum type="arabicParenR"/>
+            </a:pPr>
+            <a:r>
+              <a:rPr lang="en-GB" sz="4000" dirty="0">
+                <a:latin typeface="Calibri" panose="020F0502020204030204" pitchFamily="34" charset="0"/>
+                <a:ea typeface="Calibri" panose="020F0502020204030204" pitchFamily="34" charset="0"/>
+              </a:rPr>
+              <a:t> Using technical tools to help us working in group</a:t>
+            </a:r>
+            <a:endParaRPr lang="en-GB" sz="4000" dirty="0">
+              <a:effectLst/>
+              <a:latin typeface="Arial" panose="020B0604020202020204" pitchFamily="34" charset="0"/>
+              <a:ea typeface="Calibri" panose="020F0502020204030204" pitchFamily="34" charset="0"/>
+            </a:endParaRPr>
+          </a:p>
+        </p:txBody>
+      </p:sp>
+    </p:spTree>
+    <p:extLst>
+      <p:ext uri="{BB962C8B-B14F-4D97-AF65-F5344CB8AC3E}">
+        <p14:creationId xmlns:p14="http://schemas.microsoft.com/office/powerpoint/2010/main" val="2027141670"/>
+      </p:ext>
+    </p:extLst>
+  </p:cSld>
+  <p:clrMapOvr>
+    <a:masterClrMapping/>
+  </p:clrMapOvr>
+</p:sld>
+</file>
+
+<file path=ppt/slides/slide5.xml><?xml version="1.0" encoding="utf-8"?>
 <p:sld xmlns:a="http://schemas.openxmlformats.org/drawingml/2006/main" xmlns:r="http://schemas.openxmlformats.org/officeDocument/2006/relationships" xmlns:p="http://schemas.openxmlformats.org/presentationml/2006/main">
   <p:cSld>
     <p:spTree>
@@ -3596,7 +3753,7 @@
 </p:sld>
 </file>
 
-<file path=ppt/slides/slide5.xml><?xml version="1.0" encoding="utf-8"?>
+<file path=ppt/slides/slide6.xml><?xml version="1.0" encoding="utf-8"?>
 <p:sld xmlns:a="http://schemas.openxmlformats.org/drawingml/2006/main" xmlns:r="http://schemas.openxmlformats.org/officeDocument/2006/relationships" xmlns:p="http://schemas.openxmlformats.org/presentationml/2006/main">
   <p:cSld>
     <p:spTree>
@@ -3613,60 +3770,40 @@
           <a:chExt cx="0" cy="0"/>
         </a:xfrm>
       </p:grpSpPr>
-      <p:sp>
-        <p:nvSpPr>
-          <p:cNvPr id="2" name="Tytuł 1">
-            <a:extLst>
-              <a:ext uri="{FF2B5EF4-FFF2-40B4-BE49-F238E27FC236}">
-                <a16:creationId xmlns:a16="http://schemas.microsoft.com/office/drawing/2014/main" id="{CFDCD9C1-99C5-46B7-996D-CA2F36C5D230}"/>
-              </a:ext>
-            </a:extLst>
-          </p:cNvPr>
-          <p:cNvSpPr>
-            <a:spLocks noGrp="1"/>
-          </p:cNvSpPr>
-          <p:nvPr>
-            <p:ph type="title"/>
-          </p:nvPr>
-        </p:nvSpPr>
-        <p:spPr/>
-        <p:txBody>
-          <a:bodyPr/>
-          <a:lstStyle/>
-          <a:p>
-            <a:endParaRPr lang="en-GB"/>
-          </a:p>
-        </p:txBody>
-      </p:sp>
-      <p:sp>
-        <p:nvSpPr>
-          <p:cNvPr id="3" name="Symbol zastępczy zawartości 2">
-            <a:extLst>
-              <a:ext uri="{FF2B5EF4-FFF2-40B4-BE49-F238E27FC236}">
-                <a16:creationId xmlns:a16="http://schemas.microsoft.com/office/drawing/2014/main" id="{F7E161D4-16B7-44B9-903A-B460B85E6912}"/>
-              </a:ext>
-            </a:extLst>
-          </p:cNvPr>
-          <p:cNvSpPr>
-            <a:spLocks noGrp="1"/>
-          </p:cNvSpPr>
-          <p:nvPr>
-            <p:ph idx="1"/>
-          </p:nvPr>
-        </p:nvSpPr>
-        <p:spPr/>
-        <p:txBody>
-          <a:bodyPr/>
-          <a:lstStyle/>
-          <a:p>
-            <a:endParaRPr lang="en-GB"/>
-          </a:p>
-        </p:txBody>
-      </p:sp>
+      <p:pic>
+        <p:nvPicPr>
+          <p:cNvPr id="2" name="Obraz 1">
+            <a:extLst>
+              <a:ext uri="{FF2B5EF4-FFF2-40B4-BE49-F238E27FC236}">
+                <a16:creationId xmlns:a16="http://schemas.microsoft.com/office/drawing/2014/main" id="{FFFF615D-6F39-4182-84C4-7467E9E429A9}"/>
+              </a:ext>
+            </a:extLst>
+          </p:cNvPr>
+          <p:cNvPicPr>
+            <a:picLocks noChangeAspect="1"/>
+          </p:cNvPicPr>
+          <p:nvPr/>
+        </p:nvPicPr>
+        <p:blipFill>
+          <a:blip r:embed="rId2"/>
+          <a:stretch>
+            <a:fillRect/>
+          </a:stretch>
+        </p:blipFill>
+        <p:spPr>
+          <a:xfrm>
+            <a:off x="290004" y="0"/>
+            <a:ext cx="11611992" cy="7362004"/>
+          </a:xfrm>
+          <a:prstGeom prst="rect">
+            <a:avLst/>
+          </a:prstGeom>
+        </p:spPr>
+      </p:pic>
     </p:spTree>
     <p:extLst>
       <p:ext uri="{BB962C8B-B14F-4D97-AF65-F5344CB8AC3E}">
-        <p14:creationId xmlns:p14="http://schemas.microsoft.com/office/powerpoint/2010/main" val="3126896193"/>
+        <p14:creationId xmlns:p14="http://schemas.microsoft.com/office/powerpoint/2010/main" val="2011243449"/>
       </p:ext>
     </p:extLst>
   </p:cSld>
